--- a/test.pptx
+++ b/test.pptx
@@ -104,6 +104,11 @@
       </a:defRPr>
     </a:lvl9pPr>
   </p:defaultTextStyle>
+  <p:extLst>
+    <p:ext uri="{EFAFB233-063F-42B5-8137-9DF3F51BA10A}">
+      <p15:sldGuideLst xmlns:p15="http://schemas.microsoft.com/office/powerpoint/2012/main"/>
+    </p:ext>
+  </p:extLst>
 </p:presentation>
 </file>
 
@@ -152,7 +157,6 @@
               <a:rPr lang="ko-KR" altLang="en-US"/>
               <a:t>마스터 제목 스타일 편집</a:t>
             </a:r>
-            <a:endParaRPr lang="ko-KR" altLang="en-US"/>
           </a:p>
         </p:txBody>
       </p:sp>
@@ -217,7 +221,6 @@
               <a:rPr lang="ko-KR" altLang="en-US"/>
               <a:t>클릭하여 마스터 부제목 스타일 편집</a:t>
             </a:r>
-            <a:endParaRPr lang="ko-KR" altLang="en-US"/>
           </a:p>
         </p:txBody>
       </p:sp>
@@ -335,7 +338,6 @@
               <a:rPr lang="ko-KR" altLang="en-US"/>
               <a:t>마스터 제목 스타일 편집</a:t>
             </a:r>
-            <a:endParaRPr lang="ko-KR" altLang="en-US"/>
           </a:p>
         </p:txBody>
       </p:sp>
@@ -387,7 +389,6 @@
               <a:rPr lang="ko-KR" altLang="en-US"/>
               <a:t>다섯째 수준</a:t>
             </a:r>
-            <a:endParaRPr lang="ko-KR" altLang="en-US"/>
           </a:p>
         </p:txBody>
       </p:sp>
@@ -510,7 +511,6 @@
               <a:rPr lang="ko-KR" altLang="en-US"/>
               <a:t>마스터 제목 스타일 편집</a:t>
             </a:r>
-            <a:endParaRPr lang="ko-KR" altLang="en-US"/>
           </a:p>
         </p:txBody>
       </p:sp>
@@ -567,7 +567,6 @@
               <a:rPr lang="ko-KR" altLang="en-US"/>
               <a:t>다섯째 수준</a:t>
             </a:r>
-            <a:endParaRPr lang="ko-KR" altLang="en-US"/>
           </a:p>
         </p:txBody>
       </p:sp>
@@ -685,7 +684,6 @@
               <a:rPr lang="ko-KR" altLang="en-US"/>
               <a:t>마스터 제목 스타일 편집</a:t>
             </a:r>
-            <a:endParaRPr lang="ko-KR" altLang="en-US"/>
           </a:p>
         </p:txBody>
       </p:sp>
@@ -737,7 +735,6 @@
               <a:rPr lang="ko-KR" altLang="en-US"/>
               <a:t>다섯째 수준</a:t>
             </a:r>
-            <a:endParaRPr lang="ko-KR" altLang="en-US"/>
           </a:p>
         </p:txBody>
       </p:sp>
@@ -864,7 +861,6 @@
               <a:rPr lang="ko-KR" altLang="en-US"/>
               <a:t>마스터 제목 스타일 편집</a:t>
             </a:r>
-            <a:endParaRPr lang="ko-KR" altLang="en-US"/>
           </a:p>
         </p:txBody>
       </p:sp>
@@ -1101,7 +1097,6 @@
               <a:rPr lang="ko-KR" altLang="en-US"/>
               <a:t>마스터 제목 스타일 편집</a:t>
             </a:r>
-            <a:endParaRPr lang="ko-KR" altLang="en-US"/>
           </a:p>
         </p:txBody>
       </p:sp>
@@ -1158,7 +1153,6 @@
               <a:rPr lang="ko-KR" altLang="en-US"/>
               <a:t>다섯째 수준</a:t>
             </a:r>
-            <a:endParaRPr lang="ko-KR" altLang="en-US"/>
           </a:p>
         </p:txBody>
       </p:sp>
@@ -1215,7 +1209,6 @@
               <a:rPr lang="ko-KR" altLang="en-US"/>
               <a:t>다섯째 수준</a:t>
             </a:r>
-            <a:endParaRPr lang="ko-KR" altLang="en-US"/>
           </a:p>
         </p:txBody>
       </p:sp>
@@ -1338,7 +1331,6 @@
               <a:rPr lang="ko-KR" altLang="en-US"/>
               <a:t>마스터 제목 스타일 편집</a:t>
             </a:r>
-            <a:endParaRPr lang="ko-KR" altLang="en-US"/>
           </a:p>
         </p:txBody>
       </p:sp>
@@ -1460,7 +1452,6 @@
               <a:rPr lang="ko-KR" altLang="en-US"/>
               <a:t>다섯째 수준</a:t>
             </a:r>
-            <a:endParaRPr lang="ko-KR" altLang="en-US"/>
           </a:p>
         </p:txBody>
       </p:sp>
@@ -1582,7 +1573,6 @@
               <a:rPr lang="ko-KR" altLang="en-US"/>
               <a:t>다섯째 수준</a:t>
             </a:r>
-            <a:endParaRPr lang="ko-KR" altLang="en-US"/>
           </a:p>
         </p:txBody>
       </p:sp>
@@ -1700,7 +1690,6 @@
               <a:rPr lang="ko-KR" altLang="en-US"/>
               <a:t>마스터 제목 스타일 편집</a:t>
             </a:r>
-            <a:endParaRPr lang="ko-KR" altLang="en-US"/>
           </a:p>
         </p:txBody>
       </p:sp>
@@ -1922,7 +1911,6 @@
               <a:rPr lang="ko-KR" altLang="en-US"/>
               <a:t>마스터 제목 스타일 편집</a:t>
             </a:r>
-            <a:endParaRPr lang="ko-KR" altLang="en-US"/>
           </a:p>
         </p:txBody>
       </p:sp>
@@ -2007,7 +1995,6 @@
               <a:rPr lang="ko-KR" altLang="en-US"/>
               <a:t>다섯째 수준</a:t>
             </a:r>
-            <a:endParaRPr lang="ko-KR" altLang="en-US"/>
           </a:p>
         </p:txBody>
       </p:sp>
@@ -2199,7 +2186,6 @@
               <a:rPr lang="ko-KR" altLang="en-US"/>
               <a:t>마스터 제목 스타일 편집</a:t>
             </a:r>
-            <a:endParaRPr lang="ko-KR" altLang="en-US"/>
           </a:p>
         </p:txBody>
       </p:sp>
@@ -2458,7 +2444,6 @@
               <a:rPr lang="ko-KR" altLang="en-US"/>
               <a:t>마스터 제목 스타일 편집</a:t>
             </a:r>
-            <a:endParaRPr lang="ko-KR" altLang="en-US"/>
           </a:p>
         </p:txBody>
       </p:sp>
@@ -2520,7 +2505,6 @@
               <a:rPr lang="ko-KR" altLang="en-US"/>
               <a:t>다섯째 수준</a:t>
             </a:r>
-            <a:endParaRPr lang="ko-KR" altLang="en-US"/>
           </a:p>
         </p:txBody>
       </p:sp>
@@ -2973,7 +2957,7 @@
         <p:spPr>
           <a:xfrm>
             <a:off x="768485" y="622570"/>
-            <a:ext cx="565861" cy="369332"/>
+            <a:ext cx="916918" cy="646331"/>
           </a:xfrm>
           <a:prstGeom prst="rect">
             <a:avLst/>
@@ -2987,12 +2971,18 @@
           <a:lstStyle/>
           <a:p>
             <a:r>
+              <a:rPr lang="en-US" altLang="ko-KR" dirty="0"/>
+              <a:t>test</a:t>
+            </a:r>
+          </a:p>
+          <a:p>
+            <a:r>
               <a:rPr lang="en-US" altLang="ko-KR"/>
-              <a:t>tes</a:t>
+              <a:t>updat</a:t>
             </a:r>
             <a:r>
               <a:rPr lang="en-US" altLang="ko-KR"/>
-              <a:t>t</a:t>
+              <a:t>e</a:t>
             </a:r>
             <a:endParaRPr lang="ko-KR" altLang="en-US" dirty="0"/>
           </a:p>
